--- a/Images/fig3_dis_saturation_time.pptx
+++ b/Images/fig3_dis_saturation_time.pptx
@@ -104,6 +104,11 @@
       </a:defRPr>
     </a:lvl9pPr>
   </p:defaultTextStyle>
+  <p:extLst>
+    <p:ext uri="{EFAFB233-063F-42B5-8137-9DF3F51BA10A}">
+      <p15:sldGuideLst xmlns:p15="http://schemas.microsoft.com/office/powerpoint/2012/main"/>
+    </p:ext>
+  </p:extLst>
 </p:presentation>
 </file>
 
@@ -238,7 +243,7 @@
           <a:p>
             <a:fld id="{A17FF8F0-7F52-46A4-8463-68257CFE56CB}" type="datetimeFigureOut">
               <a:rPr lang="en-US" smtClean="0"/>
-              <a:t>7/29/2021</a:t>
+              <a:t>9/19/2021</a:t>
             </a:fld>
             <a:endParaRPr lang="en-US"/>
           </a:p>
@@ -408,7 +413,7 @@
           <a:p>
             <a:fld id="{A17FF8F0-7F52-46A4-8463-68257CFE56CB}" type="datetimeFigureOut">
               <a:rPr lang="en-US" smtClean="0"/>
-              <a:t>7/29/2021</a:t>
+              <a:t>9/19/2021</a:t>
             </a:fld>
             <a:endParaRPr lang="en-US"/>
           </a:p>
@@ -588,7 +593,7 @@
           <a:p>
             <a:fld id="{A17FF8F0-7F52-46A4-8463-68257CFE56CB}" type="datetimeFigureOut">
               <a:rPr lang="en-US" smtClean="0"/>
-              <a:t>7/29/2021</a:t>
+              <a:t>9/19/2021</a:t>
             </a:fld>
             <a:endParaRPr lang="en-US"/>
           </a:p>
@@ -758,7 +763,7 @@
           <a:p>
             <a:fld id="{A17FF8F0-7F52-46A4-8463-68257CFE56CB}" type="datetimeFigureOut">
               <a:rPr lang="en-US" smtClean="0"/>
-              <a:t>7/29/2021</a:t>
+              <a:t>9/19/2021</a:t>
             </a:fld>
             <a:endParaRPr lang="en-US"/>
           </a:p>
@@ -1004,7 +1009,7 @@
           <a:p>
             <a:fld id="{A17FF8F0-7F52-46A4-8463-68257CFE56CB}" type="datetimeFigureOut">
               <a:rPr lang="en-US" smtClean="0"/>
-              <a:t>7/29/2021</a:t>
+              <a:t>9/19/2021</a:t>
             </a:fld>
             <a:endParaRPr lang="en-US"/>
           </a:p>
@@ -1236,7 +1241,7 @@
           <a:p>
             <a:fld id="{A17FF8F0-7F52-46A4-8463-68257CFE56CB}" type="datetimeFigureOut">
               <a:rPr lang="en-US" smtClean="0"/>
-              <a:t>7/29/2021</a:t>
+              <a:t>9/19/2021</a:t>
             </a:fld>
             <a:endParaRPr lang="en-US"/>
           </a:p>
@@ -1603,7 +1608,7 @@
           <a:p>
             <a:fld id="{A17FF8F0-7F52-46A4-8463-68257CFE56CB}" type="datetimeFigureOut">
               <a:rPr lang="en-US" smtClean="0"/>
-              <a:t>7/29/2021</a:t>
+              <a:t>9/19/2021</a:t>
             </a:fld>
             <a:endParaRPr lang="en-US"/>
           </a:p>
@@ -1721,7 +1726,7 @@
           <a:p>
             <a:fld id="{A17FF8F0-7F52-46A4-8463-68257CFE56CB}" type="datetimeFigureOut">
               <a:rPr lang="en-US" smtClean="0"/>
-              <a:t>7/29/2021</a:t>
+              <a:t>9/19/2021</a:t>
             </a:fld>
             <a:endParaRPr lang="en-US"/>
           </a:p>
@@ -1816,7 +1821,7 @@
           <a:p>
             <a:fld id="{A17FF8F0-7F52-46A4-8463-68257CFE56CB}" type="datetimeFigureOut">
               <a:rPr lang="en-US" smtClean="0"/>
-              <a:t>7/29/2021</a:t>
+              <a:t>9/19/2021</a:t>
             </a:fld>
             <a:endParaRPr lang="en-US"/>
           </a:p>
@@ -2093,7 +2098,7 @@
           <a:p>
             <a:fld id="{A17FF8F0-7F52-46A4-8463-68257CFE56CB}" type="datetimeFigureOut">
               <a:rPr lang="en-US" smtClean="0"/>
-              <a:t>7/29/2021</a:t>
+              <a:t>9/19/2021</a:t>
             </a:fld>
             <a:endParaRPr lang="en-US"/>
           </a:p>
@@ -2350,7 +2355,7 @@
           <a:p>
             <a:fld id="{A17FF8F0-7F52-46A4-8463-68257CFE56CB}" type="datetimeFigureOut">
               <a:rPr lang="en-US" smtClean="0"/>
-              <a:t>7/29/2021</a:t>
+              <a:t>9/19/2021</a:t>
             </a:fld>
             <a:endParaRPr lang="en-US"/>
           </a:p>
@@ -2563,7 +2568,7 @@
           <a:p>
             <a:fld id="{A17FF8F0-7F52-46A4-8463-68257CFE56CB}" type="datetimeFigureOut">
               <a:rPr lang="en-US" smtClean="0"/>
-              <a:t>7/29/2021</a:t>
+              <a:t>9/19/2021</a:t>
             </a:fld>
             <a:endParaRPr lang="en-US"/>
           </a:p>
@@ -2997,8 +3002,8 @@
         </p:blipFill>
         <p:spPr bwMode="auto">
           <a:xfrm>
-            <a:off x="505087" y="229140"/>
-            <a:ext cx="3561825" cy="2380607"/>
+            <a:off x="702511" y="430777"/>
+            <a:ext cx="2815286" cy="1881645"/>
           </a:xfrm>
           <a:prstGeom prst="rect">
             <a:avLst/>
@@ -3029,8 +3034,8 @@
         </p:nvSpPr>
         <p:spPr>
           <a:xfrm>
-            <a:off x="2110154" y="2435932"/>
-            <a:ext cx="1073588" cy="261610"/>
+            <a:off x="1970724" y="2173285"/>
+            <a:ext cx="1073588" cy="215444"/>
           </a:xfrm>
           <a:prstGeom prst="rect">
             <a:avLst/>
@@ -3046,7 +3051,7 @@
           <a:lstStyle/>
           <a:p>
             <a:r>
-              <a:rPr lang="en-US" sz="1050" dirty="0">
+              <a:rPr lang="en-US" sz="800" dirty="0">
                 <a:latin typeface="Times New Roman" panose="02020603050405020304" pitchFamily="18" charset="0"/>
                 <a:cs typeface="Times New Roman" panose="02020603050405020304" pitchFamily="18" charset="0"/>
               </a:rPr>
@@ -3069,8 +3074,8 @@
         </p:nvSpPr>
         <p:spPr>
           <a:xfrm rot="16200000">
-            <a:off x="19128" y="855784"/>
-            <a:ext cx="1073588" cy="261610"/>
+            <a:off x="200710" y="810774"/>
+            <a:ext cx="1073588" cy="215444"/>
           </a:xfrm>
           <a:prstGeom prst="rect">
             <a:avLst/>
@@ -3086,12 +3091,297 @@
           <a:lstStyle/>
           <a:p>
             <a:r>
-              <a:rPr lang="en-US" sz="1050" dirty="0">
+              <a:rPr lang="en-US" sz="800" dirty="0">
                 <a:latin typeface="Times New Roman" panose="02020603050405020304" pitchFamily="18" charset="0"/>
                 <a:cs typeface="Times New Roman" panose="02020603050405020304" pitchFamily="18" charset="0"/>
               </a:rPr>
               <a:t>PDF</a:t>
             </a:r>
+          </a:p>
+        </p:txBody>
+      </p:sp>
+      <p:pic>
+        <p:nvPicPr>
+          <p:cNvPr id="2" name="Picture 2">
+            <a:extLst>
+              <a:ext uri="{FF2B5EF4-FFF2-40B4-BE49-F238E27FC236}">
+                <a16:creationId xmlns:a16="http://schemas.microsoft.com/office/drawing/2014/main" id="{E6D6B8FE-5586-41D9-A9FF-B0269CF0BAF9}"/>
+              </a:ext>
+            </a:extLst>
+          </p:cNvPr>
+          <p:cNvPicPr>
+            <a:picLocks noChangeAspect="1" noChangeArrowheads="1"/>
+          </p:cNvPicPr>
+          <p:nvPr/>
+        </p:nvPicPr>
+        <p:blipFill>
+          <a:blip r:embed="rId3">
+            <a:extLst>
+              <a:ext uri="{28A0092B-C50C-407E-A947-70E740481C1C}">
+                <a14:useLocalDpi xmlns:a14="http://schemas.microsoft.com/office/drawing/2010/main" val="0"/>
+              </a:ext>
+            </a:extLst>
+          </a:blip>
+          <a:srcRect/>
+          <a:stretch>
+            <a:fillRect/>
+          </a:stretch>
+        </p:blipFill>
+        <p:spPr bwMode="auto">
+          <a:xfrm>
+            <a:off x="2378218" y="806779"/>
+            <a:ext cx="1009384" cy="716604"/>
+          </a:xfrm>
+          <a:prstGeom prst="rect">
+            <a:avLst/>
+          </a:prstGeom>
+          <a:noFill/>
+          <a:extLst>
+            <a:ext uri="{909E8E84-426E-40DD-AFC4-6F175D3DCCD1}">
+              <a14:hiddenFill xmlns:a14="http://schemas.microsoft.com/office/drawing/2010/main">
+                <a:solidFill>
+                  <a:srgbClr val="FFFFFF"/>
+                </a:solidFill>
+              </a14:hiddenFill>
+            </a:ext>
+          </a:extLst>
+        </p:spPr>
+      </p:pic>
+      <p:sp>
+        <p:nvSpPr>
+          <p:cNvPr id="5" name="Rectangle 4">
+            <a:extLst>
+              <a:ext uri="{FF2B5EF4-FFF2-40B4-BE49-F238E27FC236}">
+                <a16:creationId xmlns:a16="http://schemas.microsoft.com/office/drawing/2014/main" id="{AF833B46-6251-48C0-BF70-1C71E338F77B}"/>
+              </a:ext>
+            </a:extLst>
+          </p:cNvPr>
+          <p:cNvSpPr/>
+          <p:nvPr/>
+        </p:nvSpPr>
+        <p:spPr>
+          <a:xfrm>
+            <a:off x="2788596" y="496111"/>
+            <a:ext cx="658238" cy="272374"/>
+          </a:xfrm>
+          <a:prstGeom prst="rect">
+            <a:avLst/>
+          </a:prstGeom>
+          <a:solidFill>
+            <a:schemeClr val="bg1"/>
+          </a:solidFill>
+          <a:ln>
+            <a:solidFill>
+              <a:schemeClr val="bg1"/>
+            </a:solidFill>
+          </a:ln>
+        </p:spPr>
+        <p:style>
+          <a:lnRef idx="2">
+            <a:schemeClr val="accent1">
+              <a:shade val="50000"/>
+            </a:schemeClr>
+          </a:lnRef>
+          <a:fillRef idx="1">
+            <a:schemeClr val="accent1"/>
+          </a:fillRef>
+          <a:effectRef idx="0">
+            <a:schemeClr val="accent1"/>
+          </a:effectRef>
+          <a:fontRef idx="minor">
+            <a:schemeClr val="lt1"/>
+          </a:fontRef>
+        </p:style>
+        <p:txBody>
+          <a:bodyPr rtlCol="0" anchor="ctr"/>
+          <a:lstStyle/>
+          <a:p>
+            <a:pPr algn="ctr"/>
+            <a:endParaRPr lang="en-US"/>
+          </a:p>
+        </p:txBody>
+      </p:sp>
+      <p:sp>
+        <p:nvSpPr>
+          <p:cNvPr id="9" name="TextBox 8">
+            <a:extLst>
+              <a:ext uri="{FF2B5EF4-FFF2-40B4-BE49-F238E27FC236}">
+                <a16:creationId xmlns:a16="http://schemas.microsoft.com/office/drawing/2014/main" id="{3BB71DAB-99CE-4236-8FEC-11B9D2D63A37}"/>
+              </a:ext>
+            </a:extLst>
+          </p:cNvPr>
+          <p:cNvSpPr txBox="1"/>
+          <p:nvPr/>
+        </p:nvSpPr>
+        <p:spPr>
+          <a:xfrm>
+            <a:off x="2902270" y="505242"/>
+            <a:ext cx="485332" cy="184666"/>
+          </a:xfrm>
+          <a:prstGeom prst="rect">
+            <a:avLst/>
+          </a:prstGeom>
+          <a:solidFill>
+            <a:schemeClr val="bg1"/>
+          </a:solidFill>
+        </p:spPr>
+        <p:txBody>
+          <a:bodyPr wrap="square" rtlCol="0">
+            <a:spAutoFit/>
+          </a:bodyPr>
+          <a:lstStyle/>
+          <a:p>
+            <a:r>
+              <a:rPr lang="en-US" sz="600" dirty="0">
+                <a:latin typeface="Times New Roman" panose="02020603050405020304" pitchFamily="18" charset="0"/>
+                <a:cs typeface="Times New Roman" panose="02020603050405020304" pitchFamily="18" charset="0"/>
+              </a:rPr>
+              <a:t>ER</a:t>
+            </a:r>
+          </a:p>
+        </p:txBody>
+      </p:sp>
+      <p:sp>
+        <p:nvSpPr>
+          <p:cNvPr id="10" name="TextBox 9">
+            <a:extLst>
+              <a:ext uri="{FF2B5EF4-FFF2-40B4-BE49-F238E27FC236}">
+                <a16:creationId xmlns:a16="http://schemas.microsoft.com/office/drawing/2014/main" id="{6D0967B5-BFC9-4805-814D-2FFDEB6C94C1}"/>
+              </a:ext>
+            </a:extLst>
+          </p:cNvPr>
+          <p:cNvSpPr txBox="1"/>
+          <p:nvPr/>
+        </p:nvSpPr>
+        <p:spPr>
+          <a:xfrm>
+            <a:off x="2902270" y="632895"/>
+            <a:ext cx="521865" cy="184666"/>
+          </a:xfrm>
+          <a:prstGeom prst="rect">
+            <a:avLst/>
+          </a:prstGeom>
+          <a:solidFill>
+            <a:schemeClr val="bg1"/>
+          </a:solidFill>
+        </p:spPr>
+        <p:txBody>
+          <a:bodyPr wrap="square" rtlCol="0">
+            <a:spAutoFit/>
+          </a:bodyPr>
+          <a:lstStyle/>
+          <a:p>
+            <a:r>
+              <a:rPr lang="en-US" sz="600" dirty="0">
+                <a:latin typeface="Times New Roman" panose="02020603050405020304" pitchFamily="18" charset="0"/>
+                <a:cs typeface="Times New Roman" panose="02020603050405020304" pitchFamily="18" charset="0"/>
+              </a:rPr>
+              <a:t>Scale-free</a:t>
+            </a:r>
+          </a:p>
+        </p:txBody>
+      </p:sp>
+      <p:sp>
+        <p:nvSpPr>
+          <p:cNvPr id="8" name="Rectangle 7">
+            <a:extLst>
+              <a:ext uri="{FF2B5EF4-FFF2-40B4-BE49-F238E27FC236}">
+                <a16:creationId xmlns:a16="http://schemas.microsoft.com/office/drawing/2014/main" id="{F1678FE8-BE3A-4B97-BCF6-022AE13306AC}"/>
+              </a:ext>
+            </a:extLst>
+          </p:cNvPr>
+          <p:cNvSpPr/>
+          <p:nvPr/>
+        </p:nvSpPr>
+        <p:spPr>
+          <a:xfrm>
+            <a:off x="2879571" y="566602"/>
+            <a:ext cx="64666" cy="71933"/>
+          </a:xfrm>
+          <a:prstGeom prst="rect">
+            <a:avLst/>
+          </a:prstGeom>
+          <a:solidFill>
+            <a:srgbClr val="FFA500"/>
+          </a:solidFill>
+          <a:ln>
+            <a:noFill/>
+          </a:ln>
+        </p:spPr>
+        <p:style>
+          <a:lnRef idx="2">
+            <a:schemeClr val="accent1">
+              <a:shade val="50000"/>
+            </a:schemeClr>
+          </a:lnRef>
+          <a:fillRef idx="1">
+            <a:schemeClr val="accent1"/>
+          </a:fillRef>
+          <a:effectRef idx="0">
+            <a:schemeClr val="accent1"/>
+          </a:effectRef>
+          <a:fontRef idx="minor">
+            <a:schemeClr val="lt1"/>
+          </a:fontRef>
+        </p:style>
+        <p:txBody>
+          <a:bodyPr rtlCol="0" anchor="ctr"/>
+          <a:lstStyle/>
+          <a:p>
+            <a:pPr algn="ctr"/>
+            <a:endParaRPr lang="en-US"/>
+          </a:p>
+        </p:txBody>
+      </p:sp>
+      <p:sp>
+        <p:nvSpPr>
+          <p:cNvPr id="12" name="Rectangle 11">
+            <a:extLst>
+              <a:ext uri="{FF2B5EF4-FFF2-40B4-BE49-F238E27FC236}">
+                <a16:creationId xmlns:a16="http://schemas.microsoft.com/office/drawing/2014/main" id="{6AF99D55-B3DE-4346-A9EC-66BDD110BDD4}"/>
+              </a:ext>
+            </a:extLst>
+          </p:cNvPr>
+          <p:cNvSpPr/>
+          <p:nvPr/>
+        </p:nvSpPr>
+        <p:spPr>
+          <a:xfrm>
+            <a:off x="2879571" y="699039"/>
+            <a:ext cx="64666" cy="71933"/>
+          </a:xfrm>
+          <a:prstGeom prst="rect">
+            <a:avLst/>
+          </a:prstGeom>
+          <a:solidFill>
+            <a:srgbClr val="0000FF"/>
+          </a:solidFill>
+          <a:ln>
+            <a:noFill/>
+          </a:ln>
+        </p:spPr>
+        <p:style>
+          <a:lnRef idx="2">
+            <a:schemeClr val="accent1">
+              <a:shade val="50000"/>
+            </a:schemeClr>
+          </a:lnRef>
+          <a:fillRef idx="1">
+            <a:schemeClr val="accent1"/>
+          </a:fillRef>
+          <a:effectRef idx="0">
+            <a:schemeClr val="accent1"/>
+          </a:effectRef>
+          <a:fontRef idx="minor">
+            <a:schemeClr val="lt1"/>
+          </a:fontRef>
+        </p:style>
+        <p:txBody>
+          <a:bodyPr rtlCol="0" anchor="ctr"/>
+          <a:lstStyle/>
+          <a:p>
+            <a:pPr algn="ctr"/>
+            <a:endParaRPr lang="en-US"/>
           </a:p>
         </p:txBody>
       </p:sp>
